--- a/00. CMS-PRO Final Presentation.pptx
+++ b/00. CMS-PRO Final Presentation.pptx
@@ -289,7 +289,7 @@
       <p15:sldGuideLst xmlns:p15="http://schemas.microsoft.com/office/powerpoint/2012/main"/>
     </p:ext>
     <p:ext uri="GoogleSlidesCustomDataVersion2">
-      <go:slidesCustomData xmlns:go="http://customooxmlschemas.google.com/" xmlns:ahyp="http://schemas.microsoft.com/office/drawing/2018/hyperlinkcolor" xmlns:p15="http://schemas.microsoft.com/office/powerpoint/2012/main" xmlns:p14="http://schemas.microsoft.com/office/powerpoint/2010/main" xmlns:com="http://schemas.openxmlformats.org/drawingml/2006/compatibility" xmlns:pvml="urn:schemas-microsoft-com:office:powerpoint" xmlns:v="urn:schemas-microsoft-com:vml" xmlns:o="urn:schemas-microsoft-com:office:office" xmlns:dgm="http://schemas.openxmlformats.org/drawingml/2006/diagram" xmlns:c="http://schemas.openxmlformats.org/drawingml/2006/chart" xmlns:mv="urn:schemas-microsoft-com:mac:vml" xmlns:mc="http://schemas.openxmlformats.org/markup-compatibility/2006" xmlns="" r:id="rId57" roundtripDataSignature="AMtx7mg4Lw+OUHpmMAr4p80mR+jF6goHjA=="/>
+      <go:slidesCustomData xmlns="" xmlns:mc="http://schemas.openxmlformats.org/markup-compatibility/2006" xmlns:mv="urn:schemas-microsoft-com:mac:vml" xmlns:c="http://schemas.openxmlformats.org/drawingml/2006/chart" xmlns:dgm="http://schemas.openxmlformats.org/drawingml/2006/diagram" xmlns:o="urn:schemas-microsoft-com:office:office" xmlns:v="urn:schemas-microsoft-com:vml" xmlns:pvml="urn:schemas-microsoft-com:office:powerpoint" xmlns:com="http://schemas.openxmlformats.org/drawingml/2006/compatibility" xmlns:p14="http://schemas.microsoft.com/office/powerpoint/2010/main" xmlns:p15="http://schemas.microsoft.com/office/powerpoint/2012/main" xmlns:ahyp="http://schemas.microsoft.com/office/drawing/2018/hyperlinkcolor" xmlns:go="http://customooxmlschemas.google.com/" r:id="rId57" roundtripDataSignature="AMtx7mg4Lw+OUHpmMAr4p80mR+jF6goHjA=="/>
     </p:ext>
   </p:extLst>
 </p:presentation>
@@ -1914,6 +1914,62 @@
           <a:bodyPr/>
           <a:lstStyle/>
           <a:p>
+            <a:r>
+              <a:rPr lang="en-GB" dirty="0"/>
+              <a:t>GPT’s outputs are </a:t>
+            </a:r>
+            <a:r>
+              <a:rPr lang="en-GB" i="1" dirty="0"/>
+              <a:t>extremely close in surface form</a:t>
+            </a:r>
+            <a:r>
+              <a:rPr lang="en-GB" dirty="0"/>
+              <a:t> to the originals. That’s why BLEU is near 1. Humans paraphrase more, so overlap is much lower. (High BLEU here mostly signals </a:t>
+            </a:r>
+            <a:r>
+              <a:rPr lang="en-GB" b="1" dirty="0"/>
+              <a:t>minimal rewriting</a:t>
+            </a:r>
+            <a:r>
+              <a:rPr lang="en-GB" dirty="0"/>
+              <a:t>, not “better simplification.”)</a:t>
+            </a:r>
+          </a:p>
+          <a:p>
+            <a:r>
+              <a:rPr lang="en-GB" dirty="0"/>
+              <a:t>Small GPT lead. LENS aims to reflect adequacy/fluency with a learned model; both are in a similar band, suggesting both versions keep the core meaning reasonably well, with GPT a bit closer.</a:t>
+            </a:r>
+          </a:p>
+          <a:p>
+            <a:endParaRPr lang="en-GB" dirty="0"/>
+          </a:p>
+          <a:p>
+            <a:r>
+              <a:rPr lang="en-GB" dirty="0"/>
+              <a:t>BERT Score Very high for GPT → </a:t>
+            </a:r>
+            <a:r>
+              <a:rPr lang="en-GB" i="1" dirty="0"/>
+              <a:t>near-paraphrase</a:t>
+            </a:r>
+            <a:r>
+              <a:rPr lang="en-GB" dirty="0"/>
+              <a:t> of the source at the semantic embedding level. Precision and recall both ~0.99 means GPT keeps almost all content and words/phrases semantically aligned. Human ~0.90 indicates </a:t>
+            </a:r>
+            <a:r>
+              <a:rPr lang="en-GB" b="1" dirty="0"/>
+              <a:t>heavier rephrasing/abstraction</a:t>
+            </a:r>
+            <a:r>
+              <a:rPr lang="en-GB" dirty="0"/>
+              <a:t>, not necessarily worse meaning, just less source-like.</a:t>
+            </a:r>
+          </a:p>
+          <a:p>
+            <a:endParaRPr lang="en-GB" dirty="0"/>
+          </a:p>
+          <a:p>
             <a:endParaRPr lang="en-US" dirty="0"/>
           </a:p>
         </p:txBody>
@@ -1960,6 +2016,123 @@
                 <a:cs typeface="Calibri"/>
                 <a:sym typeface="Calibri"/>
               </a:rPr>
+              <a:t>23</a:t>
+            </a:fld>
+            <a:endParaRPr lang="en-GB" sz="1200" b="0" i="0" u="none" strike="noStrike" cap="none">
+              <a:solidFill>
+                <a:schemeClr val="dk1"/>
+              </a:solidFill>
+              <a:latin typeface="Calibri"/>
+              <a:ea typeface="Calibri"/>
+              <a:cs typeface="Calibri"/>
+              <a:sym typeface="Calibri"/>
+            </a:endParaRPr>
+          </a:p>
+        </p:txBody>
+      </p:sp>
+    </p:spTree>
+    <p:extLst>
+      <p:ext uri="{BB962C8B-B14F-4D97-AF65-F5344CB8AC3E}">
+        <p14:creationId xmlns:p14="http://schemas.microsoft.com/office/powerpoint/2010/main" val="1530942164"/>
+      </p:ext>
+    </p:extLst>
+  </p:cSld>
+  <p:clrMapOvr>
+    <a:masterClrMapping/>
+  </p:clrMapOvr>
+</p:notes>
+</file>
+
+<file path=ppt/notesSlides/notesSlide11.xml><?xml version="1.0" encoding="utf-8"?>
+<p:notes xmlns:a="http://schemas.openxmlformats.org/drawingml/2006/main" xmlns:r="http://schemas.openxmlformats.org/officeDocument/2006/relationships" xmlns:p="http://schemas.openxmlformats.org/presentationml/2006/main">
+  <p:cSld>
+    <p:spTree>
+      <p:nvGrpSpPr>
+        <p:cNvPr id="1" name=""/>
+        <p:cNvGrpSpPr/>
+        <p:nvPr/>
+      </p:nvGrpSpPr>
+      <p:grpSpPr>
+        <a:xfrm>
+          <a:off x="0" y="0"/>
+          <a:ext cx="0" cy="0"/>
+          <a:chOff x="0" y="0"/>
+          <a:chExt cx="0" cy="0"/>
+        </a:xfrm>
+      </p:grpSpPr>
+      <p:sp>
+        <p:nvSpPr>
+          <p:cNvPr id="2" name="Slide Image Placeholder 1"/>
+          <p:cNvSpPr>
+            <a:spLocks noGrp="1" noRot="1" noChangeAspect="1"/>
+          </p:cNvSpPr>
+          <p:nvPr>
+            <p:ph type="sldImg"/>
+          </p:nvPr>
+        </p:nvSpPr>
+        <p:spPr/>
+      </p:sp>
+      <p:sp>
+        <p:nvSpPr>
+          <p:cNvPr id="3" name="Notes Placeholder 2"/>
+          <p:cNvSpPr>
+            <a:spLocks noGrp="1"/>
+          </p:cNvSpPr>
+          <p:nvPr>
+            <p:ph type="body" idx="1"/>
+          </p:nvPr>
+        </p:nvSpPr>
+        <p:spPr/>
+        <p:txBody>
+          <a:bodyPr/>
+          <a:lstStyle/>
+          <a:p>
+            <a:endParaRPr lang="en-US" dirty="0"/>
+          </a:p>
+        </p:txBody>
+      </p:sp>
+      <p:sp>
+        <p:nvSpPr>
+          <p:cNvPr id="4" name="Slide Number Placeholder 3"/>
+          <p:cNvSpPr>
+            <a:spLocks noGrp="1"/>
+          </p:cNvSpPr>
+          <p:nvPr>
+            <p:ph type="sldNum" idx="12"/>
+          </p:nvPr>
+        </p:nvSpPr>
+        <p:spPr/>
+        <p:txBody>
+          <a:bodyPr/>
+          <a:lstStyle/>
+          <a:p>
+            <a:pPr marL="0" marR="0" lvl="0" indent="0" algn="r" rtl="0">
+              <a:lnSpc>
+                <a:spcPct val="100000"/>
+              </a:lnSpc>
+              <a:spcBef>
+                <a:spcPts val="0"/>
+              </a:spcBef>
+              <a:spcAft>
+                <a:spcPts val="0"/>
+              </a:spcAft>
+              <a:buClr>
+                <a:srgbClr val="000000"/>
+              </a:buClr>
+              <a:buSzPts val="1200"/>
+              <a:buFont typeface="Arial"/>
+              <a:buNone/>
+            </a:pPr>
+            <a:fld id="{00000000-1234-1234-1234-123412341234}" type="slidenum">
+              <a:rPr lang="en-GB" sz="1200" b="0" i="0" u="none" strike="noStrike" cap="none" smtClean="0">
+                <a:solidFill>
+                  <a:schemeClr val="dk1"/>
+                </a:solidFill>
+                <a:latin typeface="Calibri"/>
+                <a:ea typeface="Calibri"/>
+                <a:cs typeface="Calibri"/>
+                <a:sym typeface="Calibri"/>
+              </a:rPr>
               <a:t>24</a:t>
             </a:fld>
             <a:endParaRPr lang="en-GB" sz="1200" b="0" i="0" u="none" strike="noStrike" cap="none">
@@ -1987,7 +2160,7 @@
 </p:notes>
 </file>
 
-<file path=ppt/notesSlides/notesSlide11.xml><?xml version="1.0" encoding="utf-8"?>
+<file path=ppt/notesSlides/notesSlide12.xml><?xml version="1.0" encoding="utf-8"?>
 <p:notes xmlns:a="http://schemas.openxmlformats.org/drawingml/2006/main" xmlns:r="http://schemas.openxmlformats.org/officeDocument/2006/relationships" xmlns:p="http://schemas.openxmlformats.org/presentationml/2006/main">
   <p:cSld>
     <p:spTree>
@@ -2128,6 +2301,138 @@
 </p:notes>
 </file>
 
+<file path=ppt/notesSlides/notesSlide13.xml><?xml version="1.0" encoding="utf-8"?>
+<p:notes xmlns:a="http://schemas.openxmlformats.org/drawingml/2006/main" xmlns:r="http://schemas.openxmlformats.org/officeDocument/2006/relationships" xmlns:p="http://schemas.openxmlformats.org/presentationml/2006/main">
+  <p:cSld>
+    <p:spTree>
+      <p:nvGrpSpPr>
+        <p:cNvPr id="1" name=""/>
+        <p:cNvGrpSpPr/>
+        <p:nvPr/>
+      </p:nvGrpSpPr>
+      <p:grpSpPr>
+        <a:xfrm>
+          <a:off x="0" y="0"/>
+          <a:ext cx="0" cy="0"/>
+          <a:chOff x="0" y="0"/>
+          <a:chExt cx="0" cy="0"/>
+        </a:xfrm>
+      </p:grpSpPr>
+      <p:sp>
+        <p:nvSpPr>
+          <p:cNvPr id="2" name="Slide Image Placeholder 1"/>
+          <p:cNvSpPr>
+            <a:spLocks noGrp="1" noRot="1" noChangeAspect="1"/>
+          </p:cNvSpPr>
+          <p:nvPr>
+            <p:ph type="sldImg"/>
+          </p:nvPr>
+        </p:nvSpPr>
+        <p:spPr/>
+      </p:sp>
+      <p:sp>
+        <p:nvSpPr>
+          <p:cNvPr id="3" name="Notes Placeholder 2"/>
+          <p:cNvSpPr>
+            <a:spLocks noGrp="1"/>
+          </p:cNvSpPr>
+          <p:nvPr>
+            <p:ph type="body" idx="1"/>
+          </p:nvPr>
+        </p:nvSpPr>
+        <p:spPr/>
+        <p:txBody>
+          <a:bodyPr/>
+          <a:lstStyle/>
+          <a:p>
+            <a:r>
+              <a:rPr lang="en-US" dirty="0"/>
+              <a:t>While GPT-generated simplifications offer strong surface-level read-</a:t>
+            </a:r>
+          </a:p>
+          <a:p>
+            <a:r>
+              <a:rPr lang="en-US" dirty="0"/>
+              <a:t>ability and semantic fidelity, human refinement is essential for improving structural simplicity, preserving</a:t>
+            </a:r>
+          </a:p>
+          <a:p>
+            <a:r>
+              <a:rPr lang="en-US" dirty="0"/>
+              <a:t>domain-specific meaning, and enhancing overall accessibility for interdisciplinary audiences</a:t>
+            </a:r>
+          </a:p>
+        </p:txBody>
+      </p:sp>
+      <p:sp>
+        <p:nvSpPr>
+          <p:cNvPr id="4" name="Slide Number Placeholder 3"/>
+          <p:cNvSpPr>
+            <a:spLocks noGrp="1"/>
+          </p:cNvSpPr>
+          <p:nvPr>
+            <p:ph type="sldNum" idx="12"/>
+          </p:nvPr>
+        </p:nvSpPr>
+        <p:spPr/>
+        <p:txBody>
+          <a:bodyPr/>
+          <a:lstStyle/>
+          <a:p>
+            <a:pPr marL="0" marR="0" lvl="0" indent="0" algn="r" rtl="0">
+              <a:lnSpc>
+                <a:spcPct val="100000"/>
+              </a:lnSpc>
+              <a:spcBef>
+                <a:spcPts val="0"/>
+              </a:spcBef>
+              <a:spcAft>
+                <a:spcPts val="0"/>
+              </a:spcAft>
+              <a:buClr>
+                <a:srgbClr val="000000"/>
+              </a:buClr>
+              <a:buSzPts val="1200"/>
+              <a:buFont typeface="Arial"/>
+              <a:buNone/>
+            </a:pPr>
+            <a:fld id="{00000000-1234-1234-1234-123412341234}" type="slidenum">
+              <a:rPr lang="en-GB" sz="1200" b="0" i="0" u="none" strike="noStrike" cap="none" smtClean="0">
+                <a:solidFill>
+                  <a:schemeClr val="dk1"/>
+                </a:solidFill>
+                <a:latin typeface="Calibri"/>
+                <a:ea typeface="Calibri"/>
+                <a:cs typeface="Calibri"/>
+                <a:sym typeface="Calibri"/>
+              </a:rPr>
+              <a:t>27</a:t>
+            </a:fld>
+            <a:endParaRPr lang="en-GB" sz="1200" b="0" i="0" u="none" strike="noStrike" cap="none">
+              <a:solidFill>
+                <a:schemeClr val="dk1"/>
+              </a:solidFill>
+              <a:latin typeface="Calibri"/>
+              <a:ea typeface="Calibri"/>
+              <a:cs typeface="Calibri"/>
+              <a:sym typeface="Calibri"/>
+            </a:endParaRPr>
+          </a:p>
+        </p:txBody>
+      </p:sp>
+    </p:spTree>
+    <p:extLst>
+      <p:ext uri="{BB962C8B-B14F-4D97-AF65-F5344CB8AC3E}">
+        <p14:creationId xmlns:p14="http://schemas.microsoft.com/office/powerpoint/2010/main" val="1430380419"/>
+      </p:ext>
+    </p:extLst>
+  </p:cSld>
+  <p:clrMapOvr>
+    <a:masterClrMapping/>
+  </p:clrMapOvr>
+</p:notes>
+</file>
+
 <file path=ppt/notesSlides/notesSlide2.xml><?xml version="1.0" encoding="utf-8"?>
 <p:notes xmlns:a="http://schemas.openxmlformats.org/drawingml/2006/main" xmlns:r="http://schemas.openxmlformats.org/officeDocument/2006/relationships" xmlns:p="http://schemas.openxmlformats.org/presentationml/2006/main">
   <p:cSld>
@@ -2218,6 +2523,123 @@
                 <a:cs typeface="Calibri"/>
                 <a:sym typeface="Calibri"/>
               </a:rPr>
+              <a:t>3</a:t>
+            </a:fld>
+            <a:endParaRPr lang="en-GB" sz="1200" b="0" i="0" u="none" strike="noStrike" cap="none">
+              <a:solidFill>
+                <a:schemeClr val="dk1"/>
+              </a:solidFill>
+              <a:latin typeface="Calibri"/>
+              <a:ea typeface="Calibri"/>
+              <a:cs typeface="Calibri"/>
+              <a:sym typeface="Calibri"/>
+            </a:endParaRPr>
+          </a:p>
+        </p:txBody>
+      </p:sp>
+    </p:spTree>
+    <p:extLst>
+      <p:ext uri="{BB962C8B-B14F-4D97-AF65-F5344CB8AC3E}">
+        <p14:creationId xmlns:p14="http://schemas.microsoft.com/office/powerpoint/2010/main" val="2280057885"/>
+      </p:ext>
+    </p:extLst>
+  </p:cSld>
+  <p:clrMapOvr>
+    <a:masterClrMapping/>
+  </p:clrMapOvr>
+</p:notes>
+</file>
+
+<file path=ppt/notesSlides/notesSlide3.xml><?xml version="1.0" encoding="utf-8"?>
+<p:notes xmlns:a="http://schemas.openxmlformats.org/drawingml/2006/main" xmlns:r="http://schemas.openxmlformats.org/officeDocument/2006/relationships" xmlns:p="http://schemas.openxmlformats.org/presentationml/2006/main">
+  <p:cSld>
+    <p:spTree>
+      <p:nvGrpSpPr>
+        <p:cNvPr id="1" name=""/>
+        <p:cNvGrpSpPr/>
+        <p:nvPr/>
+      </p:nvGrpSpPr>
+      <p:grpSpPr>
+        <a:xfrm>
+          <a:off x="0" y="0"/>
+          <a:ext cx="0" cy="0"/>
+          <a:chOff x="0" y="0"/>
+          <a:chExt cx="0" cy="0"/>
+        </a:xfrm>
+      </p:grpSpPr>
+      <p:sp>
+        <p:nvSpPr>
+          <p:cNvPr id="2" name="Slide Image Placeholder 1"/>
+          <p:cNvSpPr>
+            <a:spLocks noGrp="1" noRot="1" noChangeAspect="1"/>
+          </p:cNvSpPr>
+          <p:nvPr>
+            <p:ph type="sldImg"/>
+          </p:nvPr>
+        </p:nvSpPr>
+        <p:spPr/>
+      </p:sp>
+      <p:sp>
+        <p:nvSpPr>
+          <p:cNvPr id="3" name="Notes Placeholder 2"/>
+          <p:cNvSpPr>
+            <a:spLocks noGrp="1"/>
+          </p:cNvSpPr>
+          <p:nvPr>
+            <p:ph type="body" idx="1"/>
+          </p:nvPr>
+        </p:nvSpPr>
+        <p:spPr/>
+        <p:txBody>
+          <a:bodyPr/>
+          <a:lstStyle/>
+          <a:p>
+            <a:endParaRPr lang="en-US" dirty="0"/>
+          </a:p>
+        </p:txBody>
+      </p:sp>
+      <p:sp>
+        <p:nvSpPr>
+          <p:cNvPr id="4" name="Slide Number Placeholder 3"/>
+          <p:cNvSpPr>
+            <a:spLocks noGrp="1"/>
+          </p:cNvSpPr>
+          <p:nvPr>
+            <p:ph type="sldNum" idx="12"/>
+          </p:nvPr>
+        </p:nvSpPr>
+        <p:spPr/>
+        <p:txBody>
+          <a:bodyPr/>
+          <a:lstStyle/>
+          <a:p>
+            <a:pPr marL="0" marR="0" lvl="0" indent="0" algn="r" rtl="0">
+              <a:lnSpc>
+                <a:spcPct val="100000"/>
+              </a:lnSpc>
+              <a:spcBef>
+                <a:spcPts val="0"/>
+              </a:spcBef>
+              <a:spcAft>
+                <a:spcPts val="0"/>
+              </a:spcAft>
+              <a:buClr>
+                <a:srgbClr val="000000"/>
+              </a:buClr>
+              <a:buSzPts val="1200"/>
+              <a:buFont typeface="Arial"/>
+              <a:buNone/>
+            </a:pPr>
+            <a:fld id="{00000000-1234-1234-1234-123412341234}" type="slidenum">
+              <a:rPr lang="en-GB" sz="1200" b="0" i="0" u="none" strike="noStrike" cap="none" smtClean="0">
+                <a:solidFill>
+                  <a:schemeClr val="dk1"/>
+                </a:solidFill>
+                <a:latin typeface="Calibri"/>
+                <a:ea typeface="Calibri"/>
+                <a:cs typeface="Calibri"/>
+                <a:sym typeface="Calibri"/>
+              </a:rPr>
               <a:t>5</a:t>
             </a:fld>
             <a:endParaRPr lang="en-GB" sz="1200" b="0" i="0" u="none" strike="noStrike" cap="none">
@@ -2245,7 +2667,7 @@
 </p:notes>
 </file>
 
-<file path=ppt/notesSlides/notesSlide3.xml><?xml version="1.0" encoding="utf-8"?>
+<file path=ppt/notesSlides/notesSlide4.xml><?xml version="1.0" encoding="utf-8"?>
 <p:notes xmlns:a="http://schemas.openxmlformats.org/drawingml/2006/main" xmlns:r="http://schemas.openxmlformats.org/officeDocument/2006/relationships" xmlns:p="http://schemas.openxmlformats.org/presentationml/2006/main" showMasterSp="0" showMasterPhAnim="0">
   <p:cSld>
     <p:spTree>
@@ -2367,7 +2789,7 @@
 </p:notes>
 </file>
 
-<file path=ppt/notesSlides/notesSlide4.xml><?xml version="1.0" encoding="utf-8"?>
+<file path=ppt/notesSlides/notesSlide5.xml><?xml version="1.0" encoding="utf-8"?>
 <p:notes xmlns:a="http://schemas.openxmlformats.org/drawingml/2006/main" xmlns:r="http://schemas.openxmlformats.org/officeDocument/2006/relationships" xmlns:p="http://schemas.openxmlformats.org/presentationml/2006/main" showMasterSp="0" showMasterPhAnim="0">
   <p:cSld>
     <p:spTree>
@@ -2489,7 +2911,7 @@
 </p:notes>
 </file>
 
-<file path=ppt/notesSlides/notesSlide5.xml><?xml version="1.0" encoding="utf-8"?>
+<file path=ppt/notesSlides/notesSlide6.xml><?xml version="1.0" encoding="utf-8"?>
 <p:notes xmlns:a="http://schemas.openxmlformats.org/drawingml/2006/main" xmlns:r="http://schemas.openxmlformats.org/officeDocument/2006/relationships" xmlns:p="http://schemas.openxmlformats.org/presentationml/2006/main">
   <p:cSld>
     <p:spTree>
@@ -2623,7 +3045,7 @@
 </p:notes>
 </file>
 
-<file path=ppt/notesSlides/notesSlide6.xml><?xml version="1.0" encoding="utf-8"?>
+<file path=ppt/notesSlides/notesSlide7.xml><?xml version="1.0" encoding="utf-8"?>
 <p:notes xmlns:a="http://schemas.openxmlformats.org/drawingml/2006/main" xmlns:r="http://schemas.openxmlformats.org/officeDocument/2006/relationships" xmlns:p="http://schemas.openxmlformats.org/presentationml/2006/main" showMasterSp="0" showMasterPhAnim="0">
   <p:cSld>
     <p:spTree>
@@ -2768,7 +3190,7 @@
 </p:notes>
 </file>
 
-<file path=ppt/notesSlides/notesSlide7.xml><?xml version="1.0" encoding="utf-8"?>
+<file path=ppt/notesSlides/notesSlide8.xml><?xml version="1.0" encoding="utf-8"?>
 <p:notes xmlns:a="http://schemas.openxmlformats.org/drawingml/2006/main" xmlns:r="http://schemas.openxmlformats.org/officeDocument/2006/relationships" xmlns:p="http://schemas.openxmlformats.org/presentationml/2006/main" showMasterSp="0" showMasterPhAnim="0">
   <p:cSld>
     <p:spTree>
@@ -2913,132 +3335,6 @@
 </p:notes>
 </file>
 
-<file path=ppt/notesSlides/notesSlide8.xml><?xml version="1.0" encoding="utf-8"?>
-<p:notes xmlns:a="http://schemas.openxmlformats.org/drawingml/2006/main" xmlns:r="http://schemas.openxmlformats.org/officeDocument/2006/relationships" xmlns:p="http://schemas.openxmlformats.org/presentationml/2006/main">
-  <p:cSld>
-    <p:spTree>
-      <p:nvGrpSpPr>
-        <p:cNvPr id="1" name=""/>
-        <p:cNvGrpSpPr/>
-        <p:nvPr/>
-      </p:nvGrpSpPr>
-      <p:grpSpPr>
-        <a:xfrm>
-          <a:off x="0" y="0"/>
-          <a:ext cx="0" cy="0"/>
-          <a:chOff x="0" y="0"/>
-          <a:chExt cx="0" cy="0"/>
-        </a:xfrm>
-      </p:grpSpPr>
-      <p:sp>
-        <p:nvSpPr>
-          <p:cNvPr id="2" name="Slide Image Placeholder 1"/>
-          <p:cNvSpPr>
-            <a:spLocks noGrp="1" noRot="1" noChangeAspect="1"/>
-          </p:cNvSpPr>
-          <p:nvPr>
-            <p:ph type="sldImg"/>
-          </p:nvPr>
-        </p:nvSpPr>
-        <p:spPr/>
-      </p:sp>
-      <p:sp>
-        <p:nvSpPr>
-          <p:cNvPr id="3" name="Notes Placeholder 2"/>
-          <p:cNvSpPr>
-            <a:spLocks noGrp="1"/>
-          </p:cNvSpPr>
-          <p:nvPr>
-            <p:ph type="body" idx="1"/>
-          </p:nvPr>
-        </p:nvSpPr>
-        <p:spPr/>
-        <p:txBody>
-          <a:bodyPr/>
-          <a:lstStyle/>
-          <a:p>
-            <a:r>
-              <a:rPr lang="en-US" dirty="0"/>
-              <a:t>For phase 2, I provided both original summary and GPT-simplified summary with annotations from the previous step.</a:t>
-            </a:r>
-          </a:p>
-          <a:p>
-            <a:r>
-              <a:rPr lang="en-US" dirty="0"/>
-              <a:t>To utilize user feedback </a:t>
-            </a:r>
-          </a:p>
-        </p:txBody>
-      </p:sp>
-      <p:sp>
-        <p:nvSpPr>
-          <p:cNvPr id="4" name="Slide Number Placeholder 3"/>
-          <p:cNvSpPr>
-            <a:spLocks noGrp="1"/>
-          </p:cNvSpPr>
-          <p:nvPr>
-            <p:ph type="sldNum" idx="12"/>
-          </p:nvPr>
-        </p:nvSpPr>
-        <p:spPr/>
-        <p:txBody>
-          <a:bodyPr/>
-          <a:lstStyle/>
-          <a:p>
-            <a:pPr marL="0" marR="0" lvl="0" indent="0" algn="r" rtl="0">
-              <a:lnSpc>
-                <a:spcPct val="100000"/>
-              </a:lnSpc>
-              <a:spcBef>
-                <a:spcPts val="0"/>
-              </a:spcBef>
-              <a:spcAft>
-                <a:spcPts val="0"/>
-              </a:spcAft>
-              <a:buClr>
-                <a:srgbClr val="000000"/>
-              </a:buClr>
-              <a:buSzPts val="1200"/>
-              <a:buFont typeface="Arial"/>
-              <a:buNone/>
-            </a:pPr>
-            <a:fld id="{00000000-1234-1234-1234-123412341234}" type="slidenum">
-              <a:rPr lang="en-GB" sz="1200" b="0" i="0" u="none" strike="noStrike" cap="none" smtClean="0">
-                <a:solidFill>
-                  <a:schemeClr val="dk1"/>
-                </a:solidFill>
-                <a:latin typeface="Calibri"/>
-                <a:ea typeface="Calibri"/>
-                <a:cs typeface="Calibri"/>
-                <a:sym typeface="Calibri"/>
-              </a:rPr>
-              <a:t>21</a:t>
-            </a:fld>
-            <a:endParaRPr lang="en-GB" sz="1200" b="0" i="0" u="none" strike="noStrike" cap="none">
-              <a:solidFill>
-                <a:schemeClr val="dk1"/>
-              </a:solidFill>
-              <a:latin typeface="Calibri"/>
-              <a:ea typeface="Calibri"/>
-              <a:cs typeface="Calibri"/>
-              <a:sym typeface="Calibri"/>
-            </a:endParaRPr>
-          </a:p>
-        </p:txBody>
-      </p:sp>
-    </p:spTree>
-    <p:extLst>
-      <p:ext uri="{BB962C8B-B14F-4D97-AF65-F5344CB8AC3E}">
-        <p14:creationId xmlns:p14="http://schemas.microsoft.com/office/powerpoint/2010/main" val="1346802117"/>
-      </p:ext>
-    </p:extLst>
-  </p:cSld>
-  <p:clrMapOvr>
-    <a:masterClrMapping/>
-  </p:clrMapOvr>
-</p:notes>
-</file>
-
 <file path=ppt/notesSlides/notesSlide9.xml><?xml version="1.0" encoding="utf-8"?>
 <p:notes xmlns:a="http://schemas.openxmlformats.org/drawingml/2006/main" xmlns:r="http://schemas.openxmlformats.org/officeDocument/2006/relationships" xmlns:p="http://schemas.openxmlformats.org/presentationml/2006/main">
   <p:cSld>
@@ -3084,62 +3380,15 @@
           <a:lstStyle/>
           <a:p>
             <a:r>
-              <a:rPr lang="en-GB" dirty="0"/>
-              <a:t>GPT’s outputs are </a:t>
-            </a:r>
-            <a:r>
-              <a:rPr lang="en-GB" i="1" dirty="0"/>
-              <a:t>extremely close in surface form</a:t>
-            </a:r>
-            <a:r>
-              <a:rPr lang="en-GB" dirty="0"/>
-              <a:t> to the originals. That’s why BLEU is near 1. Humans paraphrase more, so overlap is much lower. (High BLEU here mostly signals </a:t>
-            </a:r>
-            <a:r>
-              <a:rPr lang="en-GB" b="1" dirty="0"/>
-              <a:t>minimal rewriting</a:t>
-            </a:r>
-            <a:r>
-              <a:rPr lang="en-GB" dirty="0"/>
-              <a:t>, not “better simplification.”)</a:t>
-            </a:r>
-          </a:p>
-          <a:p>
-            <a:r>
-              <a:rPr lang="en-GB" dirty="0"/>
-              <a:t>Small GPT lead. LENS aims to reflect adequacy/fluency with a learned model; both are in a similar band, suggesting both versions keep the core meaning reasonably well, with GPT a bit closer.</a:t>
-            </a:r>
-          </a:p>
-          <a:p>
-            <a:endParaRPr lang="en-GB" dirty="0"/>
-          </a:p>
-          <a:p>
-            <a:r>
-              <a:rPr lang="en-GB" dirty="0"/>
-              <a:t>BERT Score Very high for GPT → </a:t>
-            </a:r>
-            <a:r>
-              <a:rPr lang="en-GB" i="1" dirty="0"/>
-              <a:t>near-paraphrase</a:t>
-            </a:r>
-            <a:r>
-              <a:rPr lang="en-GB" dirty="0"/>
-              <a:t> of the source at the semantic embedding level. Precision and recall both ~0.99 means GPT keeps almost all content and words/phrases semantically aligned. Human ~0.90 indicates </a:t>
-            </a:r>
-            <a:r>
-              <a:rPr lang="en-GB" b="1" dirty="0"/>
-              <a:t>heavier rephrasing/abstraction</a:t>
-            </a:r>
-            <a:r>
-              <a:rPr lang="en-GB" dirty="0"/>
-              <a:t>, not necessarily worse meaning, just less source-like.</a:t>
-            </a:r>
-          </a:p>
-          <a:p>
-            <a:endParaRPr lang="en-GB" dirty="0"/>
-          </a:p>
-          <a:p>
-            <a:endParaRPr lang="en-US" dirty="0"/>
+              <a:rPr lang="en-US" dirty="0"/>
+              <a:t>For phase 2, I provided both original summary and GPT-simplified summary with annotations from the previous step.</a:t>
+            </a:r>
+          </a:p>
+          <a:p>
+            <a:r>
+              <a:rPr lang="en-US" dirty="0"/>
+              <a:t>To utilize user feedback </a:t>
+            </a:r>
           </a:p>
         </p:txBody>
       </p:sp>
@@ -3185,7 +3434,7 @@
                 <a:cs typeface="Calibri"/>
                 <a:sym typeface="Calibri"/>
               </a:rPr>
-              <a:t>23</a:t>
+              <a:t>21</a:t>
             </a:fld>
             <a:endParaRPr lang="en-GB" sz="1200" b="0" i="0" u="none" strike="noStrike" cap="none">
               <a:solidFill>
@@ -3202,7 +3451,7 @@
     </p:spTree>
     <p:extLst>
       <p:ext uri="{BB962C8B-B14F-4D97-AF65-F5344CB8AC3E}">
-        <p14:creationId xmlns:p14="http://schemas.microsoft.com/office/powerpoint/2010/main" val="1530942164"/>
+        <p14:creationId xmlns:p14="http://schemas.microsoft.com/office/powerpoint/2010/main" val="1346802117"/>
       </p:ext>
     </p:extLst>
   </p:cSld>
@@ -17478,6 +17727,74 @@
           </a:p>
         </p:txBody>
       </p:sp>
+      <p:sp>
+        <p:nvSpPr>
+          <p:cNvPr id="6" name="TextBox 5">
+            <a:extLst>
+              <a:ext uri="{FF2B5EF4-FFF2-40B4-BE49-F238E27FC236}">
+                <a16:creationId xmlns:a16="http://schemas.microsoft.com/office/drawing/2014/main" id="{7C78C963-6429-31C0-1615-178D551DDB82}"/>
+              </a:ext>
+            </a:extLst>
+          </p:cNvPr>
+          <p:cNvSpPr txBox="1"/>
+          <p:nvPr/>
+        </p:nvSpPr>
+        <p:spPr>
+          <a:xfrm>
+            <a:off x="5979220" y="5998577"/>
+            <a:ext cx="5476179" cy="276999"/>
+          </a:xfrm>
+          <a:prstGeom prst="rect">
+            <a:avLst/>
+          </a:prstGeom>
+          <a:noFill/>
+        </p:spPr>
+        <p:txBody>
+          <a:bodyPr wrap="none" rtlCol="0">
+            <a:spAutoFit/>
+          </a:bodyPr>
+          <a:lstStyle/>
+          <a:p>
+            <a:r>
+              <a:rPr lang="en-US" sz="1200" dirty="0">
+                <a:solidFill>
+                  <a:schemeClr val="accent1"/>
+                </a:solidFill>
+              </a:rPr>
+              <a:t>Dataset is available : https://</a:t>
+            </a:r>
+            <a:r>
+              <a:rPr lang="en-US" sz="1200" dirty="0" err="1">
+                <a:solidFill>
+                  <a:schemeClr val="accent1"/>
+                </a:solidFill>
+              </a:rPr>
+              <a:t>github.com</a:t>
+            </a:r>
+            <a:r>
+              <a:rPr lang="en-US" sz="1200" dirty="0">
+                <a:solidFill>
+                  <a:schemeClr val="accent1"/>
+                </a:solidFill>
+              </a:rPr>
+              <a:t>/kim33/Scientific-Text-</a:t>
+            </a:r>
+            <a:r>
+              <a:rPr lang="en-US" sz="1200" dirty="0" err="1">
+                <a:solidFill>
+                  <a:schemeClr val="accent1"/>
+                </a:solidFill>
+              </a:rPr>
+              <a:t>Simplification.git</a:t>
+            </a:r>
+            <a:endParaRPr lang="en-US" sz="1200" dirty="0">
+              <a:solidFill>
+                <a:schemeClr val="accent1"/>
+              </a:solidFill>
+            </a:endParaRPr>
+          </a:p>
+        </p:txBody>
+      </p:sp>
     </p:spTree>
     <p:extLst>
       <p:ext uri="{BB962C8B-B14F-4D97-AF65-F5344CB8AC3E}">
@@ -17772,6 +18089,74 @@
               </a:rPr>
               <a:t>Complex Syntax: Building A Computational Lexicon</a:t>
             </a:r>
+          </a:p>
+        </p:txBody>
+      </p:sp>
+      <p:sp>
+        <p:nvSpPr>
+          <p:cNvPr id="6" name="TextBox 5">
+            <a:extLst>
+              <a:ext uri="{FF2B5EF4-FFF2-40B4-BE49-F238E27FC236}">
+                <a16:creationId xmlns:a16="http://schemas.microsoft.com/office/drawing/2014/main" id="{4EDC2E47-E6D0-E882-E8C4-C8043DF1E46D}"/>
+              </a:ext>
+            </a:extLst>
+          </p:cNvPr>
+          <p:cNvSpPr txBox="1"/>
+          <p:nvPr/>
+        </p:nvSpPr>
+        <p:spPr>
+          <a:xfrm>
+            <a:off x="5979220" y="5998577"/>
+            <a:ext cx="5476179" cy="276999"/>
+          </a:xfrm>
+          <a:prstGeom prst="rect">
+            <a:avLst/>
+          </a:prstGeom>
+          <a:noFill/>
+        </p:spPr>
+        <p:txBody>
+          <a:bodyPr wrap="none" rtlCol="0">
+            <a:spAutoFit/>
+          </a:bodyPr>
+          <a:lstStyle/>
+          <a:p>
+            <a:r>
+              <a:rPr lang="en-US" sz="1200" dirty="0">
+                <a:solidFill>
+                  <a:schemeClr val="accent1"/>
+                </a:solidFill>
+              </a:rPr>
+              <a:t>Dataset is available : https://</a:t>
+            </a:r>
+            <a:r>
+              <a:rPr lang="en-US" sz="1200" dirty="0" err="1">
+                <a:solidFill>
+                  <a:schemeClr val="accent1"/>
+                </a:solidFill>
+              </a:rPr>
+              <a:t>github.com</a:t>
+            </a:r>
+            <a:r>
+              <a:rPr lang="en-US" sz="1200" dirty="0">
+                <a:solidFill>
+                  <a:schemeClr val="accent1"/>
+                </a:solidFill>
+              </a:rPr>
+              <a:t>/kim33/Scientific-Text-</a:t>
+            </a:r>
+            <a:r>
+              <a:rPr lang="en-US" sz="1200" dirty="0" err="1">
+                <a:solidFill>
+                  <a:schemeClr val="accent1"/>
+                </a:solidFill>
+              </a:rPr>
+              <a:t>Simplification.git</a:t>
+            </a:r>
+            <a:endParaRPr lang="en-US" sz="1200" dirty="0">
+              <a:solidFill>
+                <a:schemeClr val="accent1"/>
+              </a:solidFill>
+            </a:endParaRPr>
           </a:p>
         </p:txBody>
       </p:sp>
@@ -18016,7 +18401,12 @@
             <p:ph type="body" idx="1"/>
           </p:nvPr>
         </p:nvSpPr>
-        <p:spPr/>
+        <p:spPr>
+          <a:xfrm>
+            <a:off x="874711" y="1030288"/>
+            <a:ext cx="10580688" cy="4344987"/>
+          </a:xfrm>
+        </p:spPr>
         <p:txBody>
           <a:bodyPr/>
           <a:lstStyle/>
@@ -18032,8 +18422,12 @@
               <a:buChar char="-"/>
             </a:pPr>
             <a:r>
+              <a:rPr lang="en-US" sz="1800" dirty="0"/>
+              <a:t>User Study Pipeline  </a:t>
+            </a:r>
+            <a:r>
               <a:rPr lang="en-US" sz="1800" b="0" dirty="0"/>
-              <a:t>GPT-4o-mini drafts + User Feedback + Expert Revision</a:t>
+              <a:t>: GPT-4o-mini drafts + User Feedback + Expert Revision</a:t>
             </a:r>
           </a:p>
           <a:p>
@@ -18042,8 +18436,12 @@
               <a:buChar char="-"/>
             </a:pPr>
             <a:r>
+              <a:rPr lang="en-US" sz="1800" dirty="0"/>
+              <a:t>Outcome </a:t>
+            </a:r>
+            <a:r>
               <a:rPr lang="en-US" sz="1800" b="0" dirty="0"/>
-              <a:t>Gold Standard Simplified Summaries</a:t>
+              <a:t>: Gold Standard simplified summaries that keep rigor while improving accessibility of computer science paper for interdisciplinary research</a:t>
             </a:r>
           </a:p>
           <a:p>
@@ -18058,30 +18456,53 @@
             </a:r>
           </a:p>
           <a:p>
-            <a:pPr marL="228600" indent="0"/>
-            <a:r>
-              <a:rPr lang="en-US" sz="1800" b="0" dirty="0"/>
-              <a:t>-    LLM is not enough : GPT shows good readability and semantic fidelity but miss domain nuance</a:t>
-            </a:r>
-          </a:p>
-          <a:p>
             <a:pPr marL="514350" indent="-285750">
-              <a:buFontTx/>
-              <a:buChar char="-"/>
+              <a:buFont typeface="Arial" panose="020B0604020202020204" pitchFamily="34" charset="0"/>
+              <a:buChar char="•"/>
             </a:pPr>
             <a:r>
-              <a:rPr lang="en-US" sz="1800" b="0" dirty="0"/>
-              <a:t>Expert revision matters : Human intervention for simplification improves LLM outputs for STEM communications</a:t>
+              <a:rPr lang="en-US" sz="1800" dirty="0"/>
+              <a:t>LLM alone is not enough</a:t>
+            </a:r>
+          </a:p>
+          <a:p>
+            <a:pPr marL="971550" lvl="1" indent="-285750">
+              <a:buFont typeface="Arial" panose="020B0604020202020204" pitchFamily="34" charset="0"/>
+              <a:buChar char="•"/>
+            </a:pPr>
+            <a:r>
+              <a:rPr lang="en-US" b="0" dirty="0"/>
+              <a:t>strong readability and semantic fidelity but miss domain nuance and claim strength </a:t>
             </a:r>
           </a:p>
           <a:p>
             <a:pPr marL="514350" indent="-285750">
-              <a:buFontTx/>
-              <a:buChar char="-"/>
+              <a:buFont typeface="Arial" panose="020B0604020202020204" pitchFamily="34" charset="0"/>
+              <a:buChar char="•"/>
             </a:pPr>
             <a:r>
-              <a:rPr lang="en-US" sz="1800" b="0" dirty="0"/>
-              <a:t>Importance of the collaborative, user-informed approaches for scientific text simplification</a:t>
+              <a:rPr lang="en-US" sz="1800" dirty="0"/>
+              <a:t>Expert revision matters</a:t>
+            </a:r>
+          </a:p>
+          <a:p>
+            <a:pPr marL="971550" lvl="1" indent="-285750">
+              <a:buFont typeface="Arial" panose="020B0604020202020204" pitchFamily="34" charset="0"/>
+              <a:buChar char="•"/>
+            </a:pPr>
+            <a:r>
+              <a:rPr lang="en-US" sz="1600" dirty="0"/>
+              <a:t>Preserves key terminology</a:t>
+            </a:r>
+          </a:p>
+          <a:p>
+            <a:pPr marL="971550" lvl="1" indent="-285750">
+              <a:buFont typeface="Arial" panose="020B0604020202020204" pitchFamily="34" charset="0"/>
+              <a:buChar char="•"/>
+            </a:pPr>
+            <a:r>
+              <a:rPr lang="en-US" sz="1600" dirty="0"/>
+              <a:t>Improves structure and selectively reuses clear GPT phrasing -&gt; better fit for interdisciplinary users</a:t>
             </a:r>
           </a:p>
         </p:txBody>
@@ -18217,7 +18638,7 @@
           <p:nvPr/>
         </p:nvPicPr>
         <p:blipFill rotWithShape="1">
-          <a:blip r:embed="rId2">
+          <a:blip r:embed="rId3">
             <a:extLst>
               <a:ext uri="{28A0092B-C50C-407E-A947-70E740481C1C}">
                 <a14:useLocalDpi xmlns:a14="http://schemas.microsoft.com/office/drawing/2010/main" val="0"/>
@@ -18493,7 +18914,7 @@
           <p:nvPr/>
         </p:nvPicPr>
         <p:blipFill>
-          <a:blip r:embed="rId3">
+          <a:blip r:embed="rId4">
             <a:extLst>
               <a:ext uri="{28A0092B-C50C-407E-A947-70E740481C1C}">
                 <a14:useLocalDpi xmlns:a14="http://schemas.microsoft.com/office/drawing/2010/main" val="0"/>
@@ -18602,7 +19023,7 @@
           <p:nvPr/>
         </p:nvPicPr>
         <p:blipFill rotWithShape="1">
-          <a:blip r:embed="rId4">
+          <a:blip r:embed="rId5">
             <a:extLst>
               <a:ext uri="{28A0092B-C50C-407E-A947-70E740481C1C}">
                 <a14:useLocalDpi xmlns:a14="http://schemas.microsoft.com/office/drawing/2010/main" val="0"/>
@@ -18892,7 +19313,7 @@
         </p:nvGrpSpPr>
         <p:grpSpPr>
           <a:xfrm>
-            <a:off x="3911874" y="1368064"/>
+            <a:off x="5663490" y="2120418"/>
             <a:ext cx="6096000" cy="2098960"/>
             <a:chOff x="5046991" y="1368064"/>
             <a:chExt cx="6096000" cy="2098960"/>
@@ -19106,127 +19527,6 @@
           </p:txBody>
         </p:sp>
       </p:grpSp>
-      <p:sp>
-        <p:nvSpPr>
-          <p:cNvPr id="13" name="TextBox 12">
-            <a:extLst>
-              <a:ext uri="{FF2B5EF4-FFF2-40B4-BE49-F238E27FC236}">
-                <a16:creationId xmlns:a16="http://schemas.microsoft.com/office/drawing/2014/main" id="{A2449D5B-1FEB-DC11-0965-8B83A7AA32AC}"/>
-              </a:ext>
-            </a:extLst>
-          </p:cNvPr>
-          <p:cNvSpPr txBox="1"/>
-          <p:nvPr/>
-        </p:nvSpPr>
-        <p:spPr>
-          <a:xfrm>
-            <a:off x="6485487" y="4166497"/>
-            <a:ext cx="5506816" cy="1464231"/>
-          </a:xfrm>
-          <a:prstGeom prst="roundRect">
-            <a:avLst/>
-          </a:prstGeom>
-          <a:noFill/>
-          <a:ln w="28575">
-            <a:solidFill>
-              <a:srgbClr val="C00000"/>
-            </a:solidFill>
-            <a:prstDash val="dash"/>
-          </a:ln>
-        </p:spPr>
-        <p:txBody>
-          <a:bodyPr wrap="square">
-            <a:spAutoFit/>
-          </a:bodyPr>
-          <a:lstStyle/>
-          <a:p>
-            <a:r>
-              <a:rPr lang="en-GB" sz="1600" dirty="0">
-                <a:solidFill>
-                  <a:schemeClr val="accent1"/>
-                </a:solidFill>
-                <a:latin typeface="Open Sans"/>
-                <a:ea typeface="Open Sans"/>
-                <a:cs typeface="Open Sans"/>
-              </a:rPr>
-              <a:t>There's a </a:t>
-            </a:r>
-            <a:r>
-              <a:rPr lang="en-GB" sz="1600" b="1" dirty="0">
-                <a:solidFill>
-                  <a:schemeClr val="accent1"/>
-                </a:solidFill>
-                <a:latin typeface="Open Sans"/>
-                <a:ea typeface="Open Sans"/>
-                <a:cs typeface="Open Sans"/>
-              </a:rPr>
-              <a:t>pressing need for simplification tools </a:t>
-            </a:r>
-            <a:r>
-              <a:rPr lang="en-GB" sz="1600" dirty="0">
-                <a:solidFill>
-                  <a:schemeClr val="accent1"/>
-                </a:solidFill>
-                <a:latin typeface="Open Sans"/>
-                <a:ea typeface="Open Sans"/>
-                <a:cs typeface="Open Sans"/>
-              </a:rPr>
-              <a:t>that:</a:t>
-            </a:r>
-          </a:p>
-          <a:p>
-            <a:pPr marL="285750" indent="-285750">
-              <a:buFont typeface="Arial" panose="020B0604020202020204" pitchFamily="34" charset="0"/>
-              <a:buChar char="•"/>
-            </a:pPr>
-            <a:r>
-              <a:rPr lang="en-GB" sz="1600" dirty="0">
-                <a:solidFill>
-                  <a:schemeClr val="accent1"/>
-                </a:solidFill>
-                <a:latin typeface="Open Sans"/>
-                <a:ea typeface="Open Sans"/>
-                <a:cs typeface="Open Sans"/>
-              </a:rPr>
-              <a:t>Respect the integrity of the original text,</a:t>
-            </a:r>
-          </a:p>
-          <a:p>
-            <a:pPr marL="285750" indent="-285750">
-              <a:buFont typeface="Arial" panose="020B0604020202020204" pitchFamily="34" charset="0"/>
-              <a:buChar char="•"/>
-            </a:pPr>
-            <a:r>
-              <a:rPr lang="en-GB" sz="1600" dirty="0">
-                <a:solidFill>
-                  <a:schemeClr val="accent1"/>
-                </a:solidFill>
-                <a:latin typeface="Open Sans"/>
-                <a:ea typeface="Open Sans"/>
-                <a:cs typeface="Open Sans"/>
-              </a:rPr>
-              <a:t>Are faithful to the source,</a:t>
-            </a:r>
-          </a:p>
-          <a:p>
-            <a:pPr marL="285750" indent="-285750">
-              <a:buFont typeface="Arial" panose="020B0604020202020204" pitchFamily="34" charset="0"/>
-              <a:buChar char="•"/>
-            </a:pPr>
-            <a:r>
-              <a:rPr lang="en-GB" sz="1600" dirty="0">
-                <a:solidFill>
-                  <a:schemeClr val="accent1"/>
-                </a:solidFill>
-                <a:latin typeface="Open Sans"/>
-                <a:ea typeface="Open Sans"/>
-                <a:cs typeface="Open Sans"/>
-              </a:rPr>
-              <a:t>And are tailored for non-expert readers in interdisciplinary settings.</a:t>
-            </a:r>
-          </a:p>
-        </p:txBody>
-      </p:sp>
     </p:spTree>
     <p:extLst>
       <p:ext uri="{BB962C8B-B14F-4D97-AF65-F5344CB8AC3E}">
@@ -19304,7 +19604,7 @@
         <p:spPr>
           <a:xfrm>
             <a:off x="874712" y="1003465"/>
-            <a:ext cx="10580688" cy="2425535"/>
+            <a:ext cx="10580688" cy="3406489"/>
           </a:xfrm>
         </p:spPr>
         <p:txBody>
@@ -19451,63 +19751,38 @@
               </a:rPr>
               <a:t>Develop and evaluate LLM-based methods to make academic texts accessible to researchers from other fields and lay audiences</a:t>
             </a:r>
+          </a:p>
+          <a:p>
+            <a:pPr marL="108000" lvl="3" indent="0" algn="l" rtl="0">
+              <a:lnSpc>
+                <a:spcPct val="100000"/>
+              </a:lnSpc>
+              <a:spcBef>
+                <a:spcPts val="0"/>
+              </a:spcBef>
+              <a:spcAft>
+                <a:spcPts val="0"/>
+              </a:spcAft>
+              <a:buClr>
+                <a:schemeClr val="accent1"/>
+              </a:buClr>
+              <a:buSzPts val="1600"/>
+              <a:buNone/>
+            </a:pPr>
             <a:endParaRPr lang="en-GB" sz="2000" dirty="0">
               <a:latin typeface="Open Sans" panose="020B0606030504020204" pitchFamily="34" charset="0"/>
               <a:ea typeface="Open Sans" panose="020B0606030504020204" pitchFamily="34" charset="0"/>
               <a:cs typeface="Open Sans" panose="020B0606030504020204" pitchFamily="34" charset="0"/>
+              <a:sym typeface="Helvetica Neue"/>
             </a:endParaRPr>
           </a:p>
-        </p:txBody>
-      </p:sp>
-      <p:sp>
-        <p:nvSpPr>
-          <p:cNvPr id="6" name="Google Shape;96;p3">
-            <a:extLst>
-              <a:ext uri="{FF2B5EF4-FFF2-40B4-BE49-F238E27FC236}">
-                <a16:creationId xmlns:a16="http://schemas.microsoft.com/office/drawing/2014/main" id="{73891011-0EF7-1376-D709-D1FBC332B022}"/>
-              </a:ext>
-            </a:extLst>
-          </p:cNvPr>
-          <p:cNvSpPr txBox="1">
-            <a:spLocks/>
-          </p:cNvSpPr>
-          <p:nvPr/>
-        </p:nvSpPr>
-        <p:spPr>
-          <a:xfrm>
-            <a:off x="874712" y="3303420"/>
-            <a:ext cx="10580688" cy="2974549"/>
-          </a:xfrm>
-          <a:prstGeom prst="rect">
-            <a:avLst/>
-          </a:prstGeom>
-          <a:noFill/>
-          <a:ln>
-            <a:noFill/>
-          </a:ln>
-        </p:spPr>
-        <p:txBody>
-          <a:bodyPr spcFirstLastPara="1" wrap="square" lIns="0" tIns="0" rIns="0" bIns="0" anchor="t" anchorCtr="0">
-            <a:noAutofit/>
-          </a:bodyPr>
-          <a:lstStyle>
-            <a:defPPr marR="0" lvl="0" algn="l" rtl="0">
-              <a:lnSpc>
-                <a:spcPct val="100000"/>
-              </a:lnSpc>
-              <a:spcBef>
-                <a:spcPts val="0"/>
-              </a:spcBef>
-              <a:spcAft>
-                <a:spcPts val="0"/>
-              </a:spcAft>
-            </a:defPPr>
-            <a:lvl1pPr marL="457200" marR="0" lvl="0" indent="-228600" algn="l" rtl="0">
-              <a:lnSpc>
-                <a:spcPct val="100000"/>
-              </a:lnSpc>
-              <a:spcBef>
-                <a:spcPts val="1200"/>
+          <a:p>
+            <a:pPr marL="252000" lvl="3" indent="-144000" algn="l" rtl="0">
+              <a:lnSpc>
+                <a:spcPct val="100000"/>
+              </a:lnSpc>
+              <a:spcBef>
+                <a:spcPts val="0"/>
               </a:spcBef>
               <a:spcAft>
                 <a:spcPts val="0"/>
@@ -19515,351 +19790,81 @@
               <a:buClr>
                 <a:schemeClr val="accent1"/>
               </a:buClr>
-              <a:buSzPts val="2000"/>
-              <a:buFont typeface="Arial"/>
-              <a:buNone/>
-              <a:defRPr sz="2000" b="1" i="0" u="none" strike="noStrike" cap="none">
-                <a:solidFill>
-                  <a:schemeClr val="accent1"/>
-                </a:solidFill>
-                <a:latin typeface="Open Sans"/>
-                <a:ea typeface="Open Sans"/>
-                <a:cs typeface="Open Sans"/>
-                <a:sym typeface="Open Sans"/>
-              </a:defRPr>
-            </a:lvl1pPr>
-            <a:lvl2pPr marL="914400" marR="0" lvl="1" indent="-228600" algn="l" rtl="0">
-              <a:lnSpc>
-                <a:spcPct val="100000"/>
-              </a:lnSpc>
-              <a:spcBef>
-                <a:spcPts val="600"/>
-              </a:spcBef>
-              <a:spcAft>
-                <a:spcPts val="0"/>
-              </a:spcAft>
-              <a:buClr>
-                <a:schemeClr val="accent1"/>
-              </a:buClr>
-              <a:buSzPts val="1800"/>
-              <a:buFont typeface="Open Sans"/>
-              <a:buNone/>
-              <a:defRPr sz="1800" b="0" i="0" u="none" strike="noStrike" cap="none">
-                <a:solidFill>
-                  <a:schemeClr val="accent1"/>
-                </a:solidFill>
-                <a:latin typeface="Open Sans"/>
-                <a:ea typeface="Open Sans"/>
-                <a:cs typeface="Open Sans"/>
-                <a:sym typeface="Open Sans"/>
-              </a:defRPr>
-            </a:lvl2pPr>
-            <a:lvl3pPr marL="1371600" marR="0" lvl="2" indent="-342900" algn="l" rtl="0">
-              <a:lnSpc>
-                <a:spcPct val="100000"/>
-              </a:lnSpc>
-              <a:spcBef>
-                <a:spcPts val="1200"/>
-              </a:spcBef>
-              <a:spcAft>
-                <a:spcPts val="0"/>
-              </a:spcAft>
-              <a:buClr>
-                <a:schemeClr val="accent1"/>
-              </a:buClr>
-              <a:buSzPts val="1800"/>
-              <a:buFont typeface="Arial"/>
-              <a:buChar char="—"/>
-              <a:defRPr sz="1800" b="0" i="0" u="none" strike="noStrike" cap="none">
-                <a:solidFill>
-                  <a:schemeClr val="accent1"/>
-                </a:solidFill>
-                <a:latin typeface="Open Sans"/>
-                <a:ea typeface="Open Sans"/>
-                <a:cs typeface="Open Sans"/>
-                <a:sym typeface="Open Sans"/>
-              </a:defRPr>
-            </a:lvl3pPr>
-            <a:lvl4pPr marL="1828800" marR="0" lvl="3" indent="-342900" algn="l" rtl="0">
-              <a:lnSpc>
-                <a:spcPct val="100000"/>
-              </a:lnSpc>
-              <a:spcBef>
-                <a:spcPts val="0"/>
-              </a:spcBef>
-              <a:spcAft>
-                <a:spcPts val="0"/>
-              </a:spcAft>
-              <a:buClr>
-                <a:schemeClr val="accent1"/>
-              </a:buClr>
-              <a:buSzPts val="1800"/>
-              <a:buFont typeface="Open Sans"/>
-              <a:buChar char="–"/>
-              <a:defRPr sz="1600" b="0" i="0" u="none" strike="noStrike" cap="none">
-                <a:solidFill>
-                  <a:schemeClr val="accent1"/>
-                </a:solidFill>
-                <a:latin typeface="Open Sans"/>
-                <a:ea typeface="Open Sans"/>
-                <a:cs typeface="Open Sans"/>
-                <a:sym typeface="Open Sans"/>
-              </a:defRPr>
-            </a:lvl4pPr>
-            <a:lvl5pPr marL="2286000" marR="0" lvl="4" indent="-228600" algn="l" rtl="0">
-              <a:lnSpc>
-                <a:spcPct val="100000"/>
-              </a:lnSpc>
-              <a:spcBef>
-                <a:spcPts val="600"/>
-              </a:spcBef>
-              <a:spcAft>
-                <a:spcPts val="0"/>
-              </a:spcAft>
-              <a:buClr>
-                <a:schemeClr val="accent1"/>
-              </a:buClr>
-              <a:buSzPts val="1800"/>
-              <a:buFont typeface="Noto Sans Symbols"/>
-              <a:buNone/>
-              <a:defRPr sz="1400" b="1" i="0" u="none" strike="noStrike" cap="none">
-                <a:solidFill>
-                  <a:schemeClr val="accent1"/>
-                </a:solidFill>
-                <a:latin typeface="Open Sans"/>
-                <a:ea typeface="Open Sans"/>
-                <a:cs typeface="Open Sans"/>
-                <a:sym typeface="Open Sans"/>
-              </a:defRPr>
-            </a:lvl5pPr>
-            <a:lvl6pPr marL="2743200" marR="0" lvl="5" indent="-228600" algn="l" rtl="0">
-              <a:lnSpc>
-                <a:spcPct val="100000"/>
-              </a:lnSpc>
-              <a:spcBef>
-                <a:spcPts val="600"/>
-              </a:spcBef>
-              <a:spcAft>
-                <a:spcPts val="0"/>
-              </a:spcAft>
-              <a:buClr>
-                <a:schemeClr val="accent1"/>
-              </a:buClr>
-              <a:buSzPts val="1800"/>
-              <a:buFont typeface="Arial"/>
-              <a:buNone/>
-              <a:defRPr sz="1400" b="0" i="0" u="none" strike="noStrike" cap="none">
-                <a:solidFill>
-                  <a:schemeClr val="accent1"/>
-                </a:solidFill>
-                <a:latin typeface="Open Sans"/>
-                <a:ea typeface="Open Sans"/>
-                <a:cs typeface="Open Sans"/>
-                <a:sym typeface="Open Sans"/>
-              </a:defRPr>
-            </a:lvl6pPr>
-            <a:lvl7pPr marL="3200400" marR="0" lvl="6" indent="-342900" algn="l" rtl="0">
-              <a:lnSpc>
-                <a:spcPct val="100000"/>
-              </a:lnSpc>
-              <a:spcBef>
-                <a:spcPts val="0"/>
-              </a:spcBef>
-              <a:spcAft>
-                <a:spcPts val="0"/>
-              </a:spcAft>
-              <a:buClr>
-                <a:schemeClr val="accent1"/>
-              </a:buClr>
-              <a:buSzPts val="1800"/>
-              <a:buFont typeface="Arial"/>
-              <a:buChar char="—"/>
-              <a:defRPr sz="1400" b="0" i="0" u="none" strike="noStrike" cap="none">
-                <a:solidFill>
-                  <a:schemeClr val="accent1"/>
-                </a:solidFill>
-                <a:latin typeface="Open Sans"/>
-                <a:ea typeface="Open Sans"/>
-                <a:cs typeface="Open Sans"/>
-                <a:sym typeface="Open Sans"/>
-              </a:defRPr>
-            </a:lvl7pPr>
-            <a:lvl8pPr marL="3657600" marR="0" lvl="7" indent="-342900" algn="l" rtl="0">
-              <a:lnSpc>
-                <a:spcPct val="100000"/>
-              </a:lnSpc>
-              <a:spcBef>
-                <a:spcPts val="0"/>
-              </a:spcBef>
-              <a:spcAft>
-                <a:spcPts val="0"/>
-              </a:spcAft>
-              <a:buClr>
-                <a:schemeClr val="accent1"/>
-              </a:buClr>
-              <a:buSzPts val="1800"/>
-              <a:buFont typeface="Open Sans"/>
-              <a:buChar char="–"/>
-              <a:defRPr sz="1400" b="0" i="0" u="none" strike="noStrike" cap="none">
-                <a:solidFill>
-                  <a:schemeClr val="accent1"/>
-                </a:solidFill>
-                <a:latin typeface="Open Sans"/>
-                <a:ea typeface="Open Sans"/>
-                <a:cs typeface="Open Sans"/>
-                <a:sym typeface="Open Sans"/>
-              </a:defRPr>
-            </a:lvl8pPr>
-            <a:lvl9pPr marL="4114800" marR="0" lvl="8" indent="-342900" algn="l" rtl="0">
-              <a:lnSpc>
-                <a:spcPct val="100000"/>
-              </a:lnSpc>
-              <a:spcBef>
-                <a:spcPts val="0"/>
-              </a:spcBef>
-              <a:spcAft>
-                <a:spcPts val="0"/>
-              </a:spcAft>
-              <a:buClr>
-                <a:schemeClr val="accent1"/>
-              </a:buClr>
-              <a:buSzPts val="1800"/>
-              <a:buFont typeface="Noto Sans Symbols"/>
-              <a:buChar char="▪"/>
-              <a:defRPr sz="1400" b="0" i="0" u="none" strike="noStrike" cap="none">
-                <a:solidFill>
-                  <a:schemeClr val="accent1"/>
-                </a:solidFill>
-                <a:latin typeface="Open Sans"/>
-                <a:ea typeface="Open Sans"/>
-                <a:cs typeface="Open Sans"/>
-                <a:sym typeface="Open Sans"/>
-              </a:defRPr>
-            </a:lvl9pPr>
-          </a:lstStyle>
-          <a:p>
-            <a:pPr marL="108000" lvl="3" indent="0">
-              <a:lnSpc>
-                <a:spcPct val="150000"/>
-              </a:lnSpc>
               <a:buSzPts val="1600"/>
-              <a:buFont typeface="Open Sans"/>
-              <a:buNone/>
+              <a:buFont typeface="Helvetica Neue"/>
+              <a:buChar char="-"/>
             </a:pPr>
             <a:r>
-              <a:rPr lang="en-GB" sz="2000" b="1" dirty="0">
+              <a:rPr lang="en-GB" sz="2000" dirty="0">
                 <a:latin typeface="Open Sans" panose="020B0606030504020204" pitchFamily="34" charset="0"/>
                 <a:ea typeface="Open Sans" panose="020B0606030504020204" pitchFamily="34" charset="0"/>
                 <a:cs typeface="Open Sans" panose="020B0606030504020204" pitchFamily="34" charset="0"/>
                 <a:sym typeface="Helvetica Neue"/>
               </a:rPr>
-              <a:t>Outline: </a:t>
-            </a:r>
-          </a:p>
-          <a:p>
-            <a:pPr marL="108000" lvl="3" indent="0">
-              <a:lnSpc>
-                <a:spcPct val="150000"/>
-              </a:lnSpc>
+              <a:t>Generate a set of gold simplified summaries of scientific paper that </a:t>
+            </a:r>
+          </a:p>
+          <a:p>
+            <a:pPr marL="742950" lvl="1" indent="-285750">
+              <a:buFont typeface="Arial" panose="020B0604020202020204" pitchFamily="34" charset="0"/>
+              <a:buChar char="•"/>
+            </a:pPr>
+            <a:r>
+              <a:rPr lang="en-GB" sz="1600" dirty="0">
+                <a:solidFill>
+                  <a:schemeClr val="accent1"/>
+                </a:solidFill>
+                <a:latin typeface="Open Sans"/>
+                <a:ea typeface="Open Sans"/>
+                <a:cs typeface="Open Sans"/>
+              </a:rPr>
+              <a:t>Respect the integrity of the original text,</a:t>
+            </a:r>
+          </a:p>
+          <a:p>
+            <a:pPr marL="742950" lvl="1" indent="-285750">
+              <a:buFont typeface="Arial" panose="020B0604020202020204" pitchFamily="34" charset="0"/>
+              <a:buChar char="•"/>
+            </a:pPr>
+            <a:r>
+              <a:rPr lang="en-GB" sz="1600" dirty="0">
+                <a:solidFill>
+                  <a:schemeClr val="accent1"/>
+                </a:solidFill>
+                <a:latin typeface="Open Sans"/>
+                <a:ea typeface="Open Sans"/>
+                <a:cs typeface="Open Sans"/>
+              </a:rPr>
+              <a:t>Are faithful to the source,</a:t>
+            </a:r>
+          </a:p>
+          <a:p>
+            <a:pPr marL="742950" lvl="1" indent="-285750">
+              <a:buFont typeface="Arial" panose="020B0604020202020204" pitchFamily="34" charset="0"/>
+              <a:buChar char="•"/>
+            </a:pPr>
+            <a:r>
+              <a:rPr lang="en-GB" sz="1600" dirty="0">
+                <a:solidFill>
+                  <a:schemeClr val="accent1"/>
+                </a:solidFill>
+                <a:latin typeface="Open Sans"/>
+                <a:ea typeface="Open Sans"/>
+                <a:cs typeface="Open Sans"/>
+              </a:rPr>
+              <a:t>And are tailored for non-expert readers in interdisciplinary settings.</a:t>
+            </a:r>
+          </a:p>
+          <a:p>
+            <a:pPr marL="709200" lvl="4" indent="-144000">
+              <a:spcBef>
+                <a:spcPts val="0"/>
+              </a:spcBef>
               <a:buSzPts val="1600"/>
-              <a:buNone/>
+              <a:buFont typeface="Helvetica Neue"/>
+              <a:buChar char="-"/>
             </a:pPr>
-            <a:r>
-              <a:rPr lang="en-GB" sz="1800" b="0" dirty="0">
-                <a:latin typeface="Open Sans" panose="020B0606030504020204" pitchFamily="34" charset="0"/>
-                <a:ea typeface="Open Sans" panose="020B0606030504020204" pitchFamily="34" charset="0"/>
-                <a:cs typeface="Open Sans" panose="020B0606030504020204" pitchFamily="34" charset="0"/>
-                <a:sym typeface="Helvetica Neue"/>
-              </a:rPr>
-              <a:t>1. Select scientific text corpus as original dataset</a:t>
-            </a:r>
-            <a:endParaRPr lang="en-GB" sz="1800" b="0" dirty="0">
-              <a:latin typeface="Open Sans" panose="020B0606030504020204" pitchFamily="34" charset="0"/>
-              <a:ea typeface="Open Sans" panose="020B0606030504020204" pitchFamily="34" charset="0"/>
-              <a:cs typeface="Open Sans" panose="020B0606030504020204" pitchFamily="34" charset="0"/>
-            </a:endParaRPr>
-          </a:p>
-          <a:p>
-            <a:pPr marL="108000" lvl="3" indent="0">
-              <a:lnSpc>
-                <a:spcPct val="150000"/>
-              </a:lnSpc>
-              <a:buSzPts val="1600"/>
-              <a:buNone/>
-            </a:pPr>
-            <a:r>
-              <a:rPr lang="en-GB" sz="1800" b="0" dirty="0">
-                <a:latin typeface="Open Sans" panose="020B0606030504020204" pitchFamily="34" charset="0"/>
-                <a:ea typeface="Open Sans" panose="020B0606030504020204" pitchFamily="34" charset="0"/>
-                <a:cs typeface="Open Sans" panose="020B0606030504020204" pitchFamily="34" charset="0"/>
-                <a:sym typeface="Helvetica Neue"/>
-              </a:rPr>
-              <a:t>2. Generate LLM-based simplified text using GPT4o-mini and evaluate LLM-based simplified text </a:t>
-            </a:r>
-          </a:p>
-          <a:p>
-            <a:pPr marL="108000" lvl="3" indent="0">
-              <a:lnSpc>
-                <a:spcPct val="150000"/>
-              </a:lnSpc>
-              <a:buSzPts val="1600"/>
-              <a:buNone/>
-            </a:pPr>
-            <a:r>
-              <a:rPr lang="en-GB" sz="1800" b="0" dirty="0">
-                <a:latin typeface="Open Sans" panose="020B0606030504020204" pitchFamily="34" charset="0"/>
-                <a:ea typeface="Open Sans" panose="020B0606030504020204" pitchFamily="34" charset="0"/>
-                <a:cs typeface="Open Sans" panose="020B0606030504020204" pitchFamily="34" charset="0"/>
-                <a:sym typeface="Helvetica Neue"/>
-              </a:rPr>
-              <a:t>3. Design and Conduct User Study to evaluate text clarity and readability</a:t>
-            </a:r>
-          </a:p>
-          <a:p>
-            <a:pPr marL="108000" lvl="3" indent="0">
-              <a:lnSpc>
-                <a:spcPct val="150000"/>
-              </a:lnSpc>
-              <a:buSzPts val="1600"/>
-              <a:buNone/>
-            </a:pPr>
-            <a:r>
-              <a:rPr lang="en-GB" sz="1800" b="0" dirty="0">
-                <a:latin typeface="Open Sans" panose="020B0606030504020204" pitchFamily="34" charset="0"/>
-                <a:ea typeface="Open Sans" panose="020B0606030504020204" pitchFamily="34" charset="0"/>
-                <a:cs typeface="Open Sans" panose="020B0606030504020204" pitchFamily="34" charset="0"/>
-                <a:sym typeface="Helvetica Neue"/>
-              </a:rPr>
-              <a:t>4. Design and Conduct User Study to generate gold simplified scientific text based on the annotation from Step 3</a:t>
-            </a:r>
-          </a:p>
-          <a:p>
-            <a:pPr marL="108000" lvl="3" indent="0">
-              <a:lnSpc>
-                <a:spcPct val="150000"/>
-              </a:lnSpc>
-              <a:buSzPts val="1600"/>
-              <a:buNone/>
-            </a:pPr>
-            <a:r>
-              <a:rPr lang="en-GB" sz="1800" b="0" dirty="0">
-                <a:latin typeface="Open Sans" panose="020B0606030504020204" pitchFamily="34" charset="0"/>
-                <a:ea typeface="Open Sans" panose="020B0606030504020204" pitchFamily="34" charset="0"/>
-                <a:cs typeface="Open Sans" panose="020B0606030504020204" pitchFamily="34" charset="0"/>
-                <a:sym typeface="Helvetica Neue"/>
-              </a:rPr>
-              <a:t>5. Evaluate </a:t>
-            </a:r>
-            <a:r>
-              <a:rPr lang="en-US" sz="1800" b="0" dirty="0">
-                <a:latin typeface="Open Sans" panose="020B0606030504020204" pitchFamily="34" charset="0"/>
-                <a:ea typeface="Open Sans" panose="020B0606030504020204" pitchFamily="34" charset="0"/>
-                <a:cs typeface="Open Sans" panose="020B0606030504020204" pitchFamily="34" charset="0"/>
-                <a:sym typeface="Helvetica Neue"/>
-              </a:rPr>
-              <a:t>gold simplified summary</a:t>
-            </a:r>
-            <a:endParaRPr lang="en-GB" sz="1800" b="0" dirty="0">
+            <a:endParaRPr lang="en-GB" sz="1800" dirty="0">
               <a:latin typeface="Open Sans" panose="020B0606030504020204" pitchFamily="34" charset="0"/>
               <a:ea typeface="Open Sans" panose="020B0606030504020204" pitchFamily="34" charset="0"/>
               <a:cs typeface="Open Sans" panose="020B0606030504020204" pitchFamily="34" charset="0"/>
@@ -20349,8 +20354,8 @@
         </p:nvSpPr>
         <p:spPr>
           <a:xfrm>
-            <a:off x="280369" y="1409009"/>
-            <a:ext cx="6035934" cy="3444558"/>
+            <a:off x="874713" y="1501605"/>
+            <a:ext cx="5352468" cy="4065817"/>
           </a:xfrm>
           <a:prstGeom prst="roundRect">
             <a:avLst/>
@@ -20480,7 +20485,7 @@
         </p:nvSpPr>
         <p:spPr>
           <a:xfrm>
-            <a:off x="280369" y="4993280"/>
+            <a:off x="6376369" y="3136632"/>
             <a:ext cx="5815631" cy="584735"/>
           </a:xfrm>
           <a:prstGeom prst="rect">
@@ -20568,7 +20573,7 @@
         </p:nvSpPr>
         <p:spPr>
           <a:xfrm>
-            <a:off x="446973" y="899080"/>
+            <a:off x="721178" y="1096689"/>
             <a:ext cx="5659537" cy="338514"/>
           </a:xfrm>
           <a:prstGeom prst="rect">
@@ -20623,276 +20628,6 @@
               <a:cs typeface="Arial"/>
               <a:sym typeface="Arial"/>
             </a:endParaRPr>
-          </a:p>
-        </p:txBody>
-      </p:sp>
-      <p:pic>
-        <p:nvPicPr>
-          <p:cNvPr id="2" name="Picture 1">
-            <a:extLst>
-              <a:ext uri="{FF2B5EF4-FFF2-40B4-BE49-F238E27FC236}">
-                <a16:creationId xmlns:a16="http://schemas.microsoft.com/office/drawing/2014/main" id="{B43DF665-2C24-A237-0CB9-F7503C70BD68}"/>
-              </a:ext>
-            </a:extLst>
-          </p:cNvPr>
-          <p:cNvPicPr>
-            <a:picLocks noChangeAspect="1"/>
-          </p:cNvPicPr>
-          <p:nvPr/>
-        </p:nvPicPr>
-        <p:blipFill>
-          <a:blip r:embed="rId3"/>
-          <a:srcRect b="5120"/>
-          <a:stretch/>
-        </p:blipFill>
-        <p:spPr>
-          <a:xfrm>
-            <a:off x="7246599" y="899080"/>
-            <a:ext cx="3598923" cy="3444558"/>
-          </a:xfrm>
-          <a:prstGeom prst="rect">
-            <a:avLst/>
-          </a:prstGeom>
-        </p:spPr>
-      </p:pic>
-      <p:sp>
-        <p:nvSpPr>
-          <p:cNvPr id="3" name="TextBox 2">
-            <a:extLst>
-              <a:ext uri="{FF2B5EF4-FFF2-40B4-BE49-F238E27FC236}">
-                <a16:creationId xmlns:a16="http://schemas.microsoft.com/office/drawing/2014/main" id="{E802B5E8-C13D-7FA1-5E63-0A9550AE5103}"/>
-              </a:ext>
-            </a:extLst>
-          </p:cNvPr>
-          <p:cNvSpPr txBox="1"/>
-          <p:nvPr/>
-        </p:nvSpPr>
-        <p:spPr>
-          <a:xfrm>
-            <a:off x="7236089" y="4236641"/>
-            <a:ext cx="4508938" cy="2031325"/>
-          </a:xfrm>
-          <a:prstGeom prst="rect">
-            <a:avLst/>
-          </a:prstGeom>
-          <a:noFill/>
-        </p:spPr>
-        <p:txBody>
-          <a:bodyPr wrap="square">
-            <a:spAutoFit/>
-          </a:bodyPr>
-          <a:lstStyle/>
-          <a:p>
-            <a:pPr marL="0" marR="0" lvl="0" indent="0" algn="l" rtl="0">
-              <a:lnSpc>
-                <a:spcPct val="100000"/>
-              </a:lnSpc>
-              <a:spcBef>
-                <a:spcPts val="0"/>
-              </a:spcBef>
-              <a:spcAft>
-                <a:spcPts val="0"/>
-              </a:spcAft>
-              <a:buClr>
-                <a:srgbClr val="000000"/>
-              </a:buClr>
-              <a:buSzPts val="1400"/>
-              <a:buFont typeface="Arial"/>
-              <a:buNone/>
-            </a:pPr>
-            <a:r>
-              <a:rPr lang="en-GB" dirty="0">
-                <a:solidFill>
-                  <a:schemeClr val="accent1"/>
-                </a:solidFill>
-                <a:latin typeface="Open Sans"/>
-                <a:ea typeface="Open Sans"/>
-                <a:cs typeface="Open Sans"/>
-                <a:sym typeface="Open Sans"/>
-              </a:rPr>
-              <a:t>“… if a text is only summarized, technical words may remain, impeding a reader. If it is only simplified, the resulting text might be too long and repetitive. Therefore, having </a:t>
-            </a:r>
-            <a:r>
-              <a:rPr lang="en-GB" b="1" dirty="0">
-                <a:solidFill>
-                  <a:schemeClr val="accent1"/>
-                </a:solidFill>
-                <a:latin typeface="Open Sans"/>
-                <a:ea typeface="Open Sans"/>
-                <a:cs typeface="Open Sans"/>
-                <a:sym typeface="Open Sans"/>
-              </a:rPr>
-              <a:t>both simplification and summarization is vital</a:t>
-            </a:r>
-            <a:r>
-              <a:rPr lang="en-GB" dirty="0">
-                <a:solidFill>
-                  <a:schemeClr val="accent1"/>
-                </a:solidFill>
-                <a:latin typeface="Open Sans"/>
-                <a:ea typeface="Open Sans"/>
-                <a:cs typeface="Open Sans"/>
-                <a:sym typeface="Open Sans"/>
-              </a:rPr>
-              <a:t> for </a:t>
-            </a:r>
-            <a:r>
-              <a:rPr lang="en-GB" b="1" dirty="0">
-                <a:solidFill>
-                  <a:schemeClr val="accent1"/>
-                </a:solidFill>
-                <a:latin typeface="Open Sans"/>
-                <a:ea typeface="Open Sans"/>
-                <a:cs typeface="Open Sans"/>
-                <a:sym typeface="Open Sans"/>
-              </a:rPr>
-              <a:t>true understanding</a:t>
-            </a:r>
-            <a:r>
-              <a:rPr lang="en-GB" dirty="0">
-                <a:solidFill>
-                  <a:schemeClr val="accent1"/>
-                </a:solidFill>
-                <a:latin typeface="Open Sans"/>
-                <a:ea typeface="Open Sans"/>
-                <a:cs typeface="Open Sans"/>
-                <a:sym typeface="Open Sans"/>
-              </a:rPr>
-              <a:t> in heterogeneous areas such as public health literature, legal texts, or </a:t>
-            </a:r>
-            <a:r>
-              <a:rPr lang="en-GB" b="1" dirty="0">
-                <a:solidFill>
-                  <a:schemeClr val="accent1"/>
-                </a:solidFill>
-                <a:latin typeface="Open Sans"/>
-                <a:ea typeface="Open Sans"/>
-                <a:cs typeface="Open Sans"/>
-                <a:sym typeface="Open Sans"/>
-              </a:rPr>
-              <a:t>scientific communications.</a:t>
-            </a:r>
-            <a:r>
-              <a:rPr lang="en-GB" dirty="0">
-                <a:solidFill>
-                  <a:schemeClr val="accent1"/>
-                </a:solidFill>
-                <a:latin typeface="Open Sans"/>
-                <a:ea typeface="Open Sans"/>
-                <a:cs typeface="Open Sans"/>
-                <a:sym typeface="Open Sans"/>
-              </a:rPr>
-              <a:t>”</a:t>
-            </a:r>
-            <a:endParaRPr lang="en-GB" b="1" dirty="0">
-              <a:solidFill>
-                <a:schemeClr val="accent1"/>
-              </a:solidFill>
-              <a:latin typeface="Open Sans"/>
-              <a:ea typeface="Open Sans"/>
-              <a:cs typeface="Open Sans"/>
-            </a:endParaRPr>
-          </a:p>
-          <a:p>
-            <a:pPr marL="0" marR="0" lvl="0" indent="0" algn="r" rtl="0">
-              <a:lnSpc>
-                <a:spcPct val="100000"/>
-              </a:lnSpc>
-              <a:spcBef>
-                <a:spcPts val="0"/>
-              </a:spcBef>
-              <a:spcAft>
-                <a:spcPts val="0"/>
-              </a:spcAft>
-              <a:buClr>
-                <a:srgbClr val="000000"/>
-              </a:buClr>
-              <a:buSzPts val="1400"/>
-              <a:buFont typeface="Arial"/>
-              <a:buNone/>
-            </a:pPr>
-            <a:r>
-              <a:rPr lang="en-GB" dirty="0">
-                <a:solidFill>
-                  <a:schemeClr val="accent1"/>
-                </a:solidFill>
-                <a:latin typeface="Open Sans"/>
-                <a:ea typeface="Open Sans"/>
-                <a:cs typeface="Open Sans"/>
-                <a:sym typeface="Open Sans"/>
-                <a:hlinkClick r:id="rId4">
-                  <a:extLst>
-                    <a:ext uri="{A12FA001-AC4F-418D-AE19-62706E023703}">
-                      <ahyp:hlinkClr xmlns:ahyp="http://schemas.microsoft.com/office/drawing/2018/hyperlinkcolor" val="tx"/>
-                    </a:ext>
-                  </a:extLst>
-                </a:hlinkClick>
-              </a:rPr>
-              <a:t>Zaman et al.[2024]</a:t>
-            </a:r>
-            <a:endParaRPr lang="en-GB" dirty="0">
-              <a:solidFill>
-                <a:schemeClr val="accent1"/>
-              </a:solidFill>
-              <a:latin typeface="Open Sans"/>
-              <a:ea typeface="Open Sans"/>
-              <a:cs typeface="Open Sans"/>
-              <a:sym typeface="Open Sans"/>
-            </a:endParaRPr>
-          </a:p>
-        </p:txBody>
-      </p:sp>
-      <p:sp>
-        <p:nvSpPr>
-          <p:cNvPr id="6" name="Right Arrow 5">
-            <a:extLst>
-              <a:ext uri="{FF2B5EF4-FFF2-40B4-BE49-F238E27FC236}">
-                <a16:creationId xmlns:a16="http://schemas.microsoft.com/office/drawing/2014/main" id="{A360A806-1F2F-7257-0F9B-C5D5A949BB76}"/>
-              </a:ext>
-            </a:extLst>
-          </p:cNvPr>
-          <p:cNvSpPr/>
-          <p:nvPr/>
-        </p:nvSpPr>
-        <p:spPr>
-          <a:xfrm>
-            <a:off x="6558455" y="2984938"/>
-            <a:ext cx="462455" cy="273269"/>
-          </a:xfrm>
-          <a:prstGeom prst="rightArrow">
-            <a:avLst/>
-          </a:prstGeom>
-          <a:solidFill>
-            <a:srgbClr val="C00000"/>
-          </a:solidFill>
-          <a:ln>
-            <a:solidFill>
-              <a:srgbClr val="C00000"/>
-            </a:solidFill>
-          </a:ln>
-        </p:spPr>
-        <p:style>
-          <a:lnRef idx="2">
-            <a:schemeClr val="accent1">
-              <a:shade val="15000"/>
-            </a:schemeClr>
-          </a:lnRef>
-          <a:fillRef idx="1">
-            <a:schemeClr val="accent1"/>
-          </a:fillRef>
-          <a:effectRef idx="0">
-            <a:schemeClr val="accent1"/>
-          </a:effectRef>
-          <a:fontRef idx="minor">
-            <a:schemeClr val="lt1"/>
-          </a:fontRef>
-        </p:style>
-        <p:txBody>
-          <a:bodyPr rtlCol="0" anchor="ctr"/>
-          <a:lstStyle/>
-          <a:p>
-            <a:pPr algn="ctr"/>
-            <a:endParaRPr lang="en-US"/>
           </a:p>
         </p:txBody>
       </p:sp>
@@ -20967,8 +20702,8 @@
         </p:nvSpPr>
         <p:spPr>
           <a:xfrm>
-            <a:off x="874711" y="1256506"/>
-            <a:ext cx="10580688" cy="4344987"/>
+            <a:off x="407865" y="1261640"/>
+            <a:ext cx="5688135" cy="2951545"/>
           </a:xfrm>
         </p:spPr>
         <p:txBody>
@@ -20976,11 +20711,11 @@
           <a:lstStyle/>
           <a:p>
             <a:r>
-              <a:rPr lang="en-US" dirty="0"/>
+              <a:rPr lang="en-US" sz="1800" dirty="0"/>
               <a:t>Model : </a:t>
             </a:r>
             <a:r>
-              <a:rPr lang="en-US" b="0" dirty="0"/>
+              <a:rPr lang="en-US" sz="1800" b="0" dirty="0"/>
               <a:t>GPT-4o-mini</a:t>
             </a:r>
           </a:p>
@@ -20991,11 +20726,11 @@
               </a:lnSpc>
             </a:pPr>
             <a:r>
-              <a:rPr lang="en-US" dirty="0"/>
+              <a:rPr lang="en-US" sz="1800" dirty="0"/>
               <a:t>Prompt : </a:t>
             </a:r>
             <a:r>
-              <a:rPr lang="en-GB" sz="1800" b="0" dirty="0">
+              <a:rPr lang="en-GB" sz="1600" b="0" dirty="0">
                 <a:effectLst/>
                 <a:latin typeface="+mn-lt"/>
               </a:rPr>
@@ -21009,7 +20744,7 @@
               </a:lnSpc>
             </a:pPr>
             <a:r>
-              <a:rPr lang="en-GB" sz="1800" b="0" dirty="0">
+              <a:rPr lang="en-GB" sz="1600" b="0" dirty="0">
                 <a:effectLst/>
                 <a:latin typeface="+mn-lt"/>
               </a:rPr>
@@ -21018,7 +20753,7 @@
           </a:p>
           <a:p>
             <a:r>
-              <a:rPr lang="en-GB" sz="1800" b="0" dirty="0">
+              <a:rPr lang="en-GB" sz="1600" b="0" dirty="0">
                 <a:effectLst/>
                 <a:latin typeface="+mn-lt"/>
               </a:rPr>
@@ -21032,7 +20767,7 @@
               </a:lnSpc>
             </a:pPr>
             <a:r>
-              <a:rPr lang="en-GB" sz="1800" b="0" dirty="0">
+              <a:rPr lang="en-GB" sz="1600" b="0" dirty="0">
                 <a:effectLst/>
                 <a:latin typeface="+mn-lt"/>
               </a:rPr>
@@ -21046,7 +20781,7 @@
               </a:lnSpc>
             </a:pPr>
             <a:r>
-              <a:rPr lang="en-GB" sz="1800" b="0" dirty="0">
+              <a:rPr lang="en-GB" sz="1600" b="0" dirty="0">
                 <a:effectLst/>
                 <a:latin typeface="+mn-lt"/>
               </a:rPr>
@@ -21055,7 +20790,7 @@
           </a:p>
           <a:p>
             <a:r>
-              <a:rPr lang="en-GB" sz="1800" b="0" dirty="0">
+              <a:rPr lang="en-GB" sz="1600" b="0" dirty="0">
                 <a:effectLst/>
                 <a:latin typeface="+mn-lt"/>
               </a:rPr>
@@ -21069,7 +20804,7 @@
               </a:lnSpc>
             </a:pPr>
             <a:r>
-              <a:rPr lang="en-GB" sz="1800" b="0" dirty="0">
+              <a:rPr lang="en-GB" sz="1600" b="0" dirty="0">
                 <a:effectLst/>
                 <a:latin typeface="+mn-lt"/>
               </a:rPr>
@@ -21082,7 +20817,7 @@
                 <a:spcPts val="1350"/>
               </a:lnSpc>
             </a:pPr>
-            <a:endParaRPr lang="en-GB" b="0" dirty="0">
+            <a:endParaRPr lang="en-GB" sz="1800" b="0" dirty="0">
               <a:solidFill>
                 <a:srgbClr val="CCCCCC"/>
               </a:solidFill>
@@ -21091,7 +20826,277 @@
             </a:endParaRPr>
           </a:p>
           <a:p>
-            <a:endParaRPr lang="en-US" dirty="0"/>
+            <a:endParaRPr lang="en-US" sz="1800" dirty="0"/>
+          </a:p>
+        </p:txBody>
+      </p:sp>
+      <p:pic>
+        <p:nvPicPr>
+          <p:cNvPr id="4" name="Picture 3">
+            <a:extLst>
+              <a:ext uri="{FF2B5EF4-FFF2-40B4-BE49-F238E27FC236}">
+                <a16:creationId xmlns:a16="http://schemas.microsoft.com/office/drawing/2014/main" id="{A642DE6E-AF32-CB07-5518-9030978572E4}"/>
+              </a:ext>
+            </a:extLst>
+          </p:cNvPr>
+          <p:cNvPicPr>
+            <a:picLocks noChangeAspect="1"/>
+          </p:cNvPicPr>
+          <p:nvPr/>
+        </p:nvPicPr>
+        <p:blipFill>
+          <a:blip r:embed="rId3"/>
+          <a:srcRect b="5120"/>
+          <a:stretch/>
+        </p:blipFill>
+        <p:spPr>
+          <a:xfrm>
+            <a:off x="7246599" y="899080"/>
+            <a:ext cx="3598923" cy="3444558"/>
+          </a:xfrm>
+          <a:prstGeom prst="rect">
+            <a:avLst/>
+          </a:prstGeom>
+        </p:spPr>
+      </p:pic>
+      <p:sp>
+        <p:nvSpPr>
+          <p:cNvPr id="5" name="TextBox 4">
+            <a:extLst>
+              <a:ext uri="{FF2B5EF4-FFF2-40B4-BE49-F238E27FC236}">
+                <a16:creationId xmlns:a16="http://schemas.microsoft.com/office/drawing/2014/main" id="{A6FC7390-CC6F-1405-1B27-24FCF2D516F2}"/>
+              </a:ext>
+            </a:extLst>
+          </p:cNvPr>
+          <p:cNvSpPr txBox="1"/>
+          <p:nvPr/>
+        </p:nvSpPr>
+        <p:spPr>
+          <a:xfrm>
+            <a:off x="7236089" y="4236641"/>
+            <a:ext cx="4508938" cy="2031325"/>
+          </a:xfrm>
+          <a:prstGeom prst="rect">
+            <a:avLst/>
+          </a:prstGeom>
+          <a:noFill/>
+        </p:spPr>
+        <p:txBody>
+          <a:bodyPr wrap="square">
+            <a:spAutoFit/>
+          </a:bodyPr>
+          <a:lstStyle/>
+          <a:p>
+            <a:pPr marL="0" marR="0" lvl="0" indent="0" algn="l" rtl="0">
+              <a:lnSpc>
+                <a:spcPct val="100000"/>
+              </a:lnSpc>
+              <a:spcBef>
+                <a:spcPts val="0"/>
+              </a:spcBef>
+              <a:spcAft>
+                <a:spcPts val="0"/>
+              </a:spcAft>
+              <a:buClr>
+                <a:srgbClr val="000000"/>
+              </a:buClr>
+              <a:buSzPts val="1400"/>
+              <a:buFont typeface="Arial"/>
+              <a:buNone/>
+            </a:pPr>
+            <a:r>
+              <a:rPr lang="en-GB" dirty="0">
+                <a:solidFill>
+                  <a:schemeClr val="accent1"/>
+                </a:solidFill>
+                <a:latin typeface="Open Sans"/>
+                <a:ea typeface="Open Sans"/>
+                <a:cs typeface="Open Sans"/>
+                <a:sym typeface="Open Sans"/>
+              </a:rPr>
+              <a:t>“… if a text is only summarized, technical words may remain, impeding a reader. If it is only simplified, the resulting text might be too long and repetitive. Therefore, having </a:t>
+            </a:r>
+            <a:r>
+              <a:rPr lang="en-GB" b="1" dirty="0">
+                <a:solidFill>
+                  <a:schemeClr val="accent1"/>
+                </a:solidFill>
+                <a:latin typeface="Open Sans"/>
+                <a:ea typeface="Open Sans"/>
+                <a:cs typeface="Open Sans"/>
+                <a:sym typeface="Open Sans"/>
+              </a:rPr>
+              <a:t>both simplification and summarization is vital</a:t>
+            </a:r>
+            <a:r>
+              <a:rPr lang="en-GB" dirty="0">
+                <a:solidFill>
+                  <a:schemeClr val="accent1"/>
+                </a:solidFill>
+                <a:latin typeface="Open Sans"/>
+                <a:ea typeface="Open Sans"/>
+                <a:cs typeface="Open Sans"/>
+                <a:sym typeface="Open Sans"/>
+              </a:rPr>
+              <a:t> for </a:t>
+            </a:r>
+            <a:r>
+              <a:rPr lang="en-GB" b="1" dirty="0">
+                <a:solidFill>
+                  <a:schemeClr val="accent1"/>
+                </a:solidFill>
+                <a:latin typeface="Open Sans"/>
+                <a:ea typeface="Open Sans"/>
+                <a:cs typeface="Open Sans"/>
+                <a:sym typeface="Open Sans"/>
+              </a:rPr>
+              <a:t>true understanding</a:t>
+            </a:r>
+            <a:r>
+              <a:rPr lang="en-GB" dirty="0">
+                <a:solidFill>
+                  <a:schemeClr val="accent1"/>
+                </a:solidFill>
+                <a:latin typeface="Open Sans"/>
+                <a:ea typeface="Open Sans"/>
+                <a:cs typeface="Open Sans"/>
+                <a:sym typeface="Open Sans"/>
+              </a:rPr>
+              <a:t> in heterogeneous areas such as public health literature, legal texts, or </a:t>
+            </a:r>
+            <a:r>
+              <a:rPr lang="en-GB" b="1" dirty="0">
+                <a:solidFill>
+                  <a:schemeClr val="accent1"/>
+                </a:solidFill>
+                <a:latin typeface="Open Sans"/>
+                <a:ea typeface="Open Sans"/>
+                <a:cs typeface="Open Sans"/>
+                <a:sym typeface="Open Sans"/>
+              </a:rPr>
+              <a:t>scientific communications.</a:t>
+            </a:r>
+            <a:r>
+              <a:rPr lang="en-GB" dirty="0">
+                <a:solidFill>
+                  <a:schemeClr val="accent1"/>
+                </a:solidFill>
+                <a:latin typeface="Open Sans"/>
+                <a:ea typeface="Open Sans"/>
+                <a:cs typeface="Open Sans"/>
+                <a:sym typeface="Open Sans"/>
+              </a:rPr>
+              <a:t>”</a:t>
+            </a:r>
+            <a:endParaRPr lang="en-GB" b="1" dirty="0">
+              <a:solidFill>
+                <a:schemeClr val="accent1"/>
+              </a:solidFill>
+              <a:latin typeface="Open Sans"/>
+              <a:ea typeface="Open Sans"/>
+              <a:cs typeface="Open Sans"/>
+            </a:endParaRPr>
+          </a:p>
+          <a:p>
+            <a:pPr marL="0" marR="0" lvl="0" indent="0" algn="r" rtl="0">
+              <a:lnSpc>
+                <a:spcPct val="100000"/>
+              </a:lnSpc>
+              <a:spcBef>
+                <a:spcPts val="0"/>
+              </a:spcBef>
+              <a:spcAft>
+                <a:spcPts val="0"/>
+              </a:spcAft>
+              <a:buClr>
+                <a:srgbClr val="000000"/>
+              </a:buClr>
+              <a:buSzPts val="1400"/>
+              <a:buFont typeface="Arial"/>
+              <a:buNone/>
+            </a:pPr>
+            <a:r>
+              <a:rPr lang="en-GB" dirty="0">
+                <a:solidFill>
+                  <a:schemeClr val="accent1"/>
+                </a:solidFill>
+                <a:latin typeface="Open Sans"/>
+                <a:ea typeface="Open Sans"/>
+                <a:cs typeface="Open Sans"/>
+                <a:sym typeface="Open Sans"/>
+                <a:hlinkClick r:id="rId4">
+                  <a:extLst>
+                    <a:ext uri="{A12FA001-AC4F-418D-AE19-62706E023703}">
+                      <ahyp:hlinkClr xmlns:ahyp="http://schemas.microsoft.com/office/drawing/2018/hyperlinkcolor" val="tx"/>
+                    </a:ext>
+                  </a:extLst>
+                </a:hlinkClick>
+              </a:rPr>
+              <a:t>Zaman et al.[2024]</a:t>
+            </a:r>
+            <a:endParaRPr lang="en-GB" dirty="0">
+              <a:solidFill>
+                <a:schemeClr val="accent1"/>
+              </a:solidFill>
+              <a:latin typeface="Open Sans"/>
+              <a:ea typeface="Open Sans"/>
+              <a:cs typeface="Open Sans"/>
+              <a:sym typeface="Open Sans"/>
+            </a:endParaRPr>
+          </a:p>
+        </p:txBody>
+      </p:sp>
+      <p:sp>
+        <p:nvSpPr>
+          <p:cNvPr id="6" name="Right Arrow 5">
+            <a:extLst>
+              <a:ext uri="{FF2B5EF4-FFF2-40B4-BE49-F238E27FC236}">
+                <a16:creationId xmlns:a16="http://schemas.microsoft.com/office/drawing/2014/main" id="{57EED190-DE19-8A2F-5B67-5B5D1D9698D5}"/>
+              </a:ext>
+            </a:extLst>
+          </p:cNvPr>
+          <p:cNvSpPr/>
+          <p:nvPr/>
+        </p:nvSpPr>
+        <p:spPr>
+          <a:xfrm>
+            <a:off x="6558455" y="2984938"/>
+            <a:ext cx="462455" cy="273269"/>
+          </a:xfrm>
+          <a:prstGeom prst="rightArrow">
+            <a:avLst/>
+          </a:prstGeom>
+          <a:solidFill>
+            <a:srgbClr val="C00000"/>
+          </a:solidFill>
+          <a:ln>
+            <a:solidFill>
+              <a:srgbClr val="C00000"/>
+            </a:solidFill>
+          </a:ln>
+        </p:spPr>
+        <p:style>
+          <a:lnRef idx="2">
+            <a:schemeClr val="accent1">
+              <a:shade val="15000"/>
+            </a:schemeClr>
+          </a:lnRef>
+          <a:fillRef idx="1">
+            <a:schemeClr val="accent1"/>
+          </a:fillRef>
+          <a:effectRef idx="0">
+            <a:schemeClr val="accent1"/>
+          </a:effectRef>
+          <a:fontRef idx="minor">
+            <a:schemeClr val="lt1"/>
+          </a:fontRef>
+        </p:style>
+        <p:txBody>
+          <a:bodyPr rtlCol="0" anchor="ctr"/>
+          <a:lstStyle/>
+          <a:p>
+            <a:pPr algn="ctr"/>
+            <a:endParaRPr lang="en-US"/>
           </a:p>
         </p:txBody>
       </p:sp>
